--- a/Ubah sampah menjadi rupiah.ppt.pptx
+++ b/Ubah sampah menjadi rupiah.ppt.pptx
@@ -4396,7 +4396,7 @@
           <a:p>
             <a:fld id="{48A87A34-81AB-432B-8DAE-1953F412C126}" type="datetimeFigureOut">
               <a:rPr lang="en-US" dirty="0"/>
-              <a:t>6/27/2020</a:t>
+              <a:t>7/14/2020</a:t>
             </a:fld>
             <a:endParaRPr lang="en-US" dirty="0"/>
           </a:p>
@@ -4658,7 +4658,7 @@
           <a:p>
             <a:fld id="{48A87A34-81AB-432B-8DAE-1953F412C126}" type="datetimeFigureOut">
               <a:rPr lang="en-US" dirty="0"/>
-              <a:t>6/27/2020</a:t>
+              <a:t>7/14/2020</a:t>
             </a:fld>
             <a:endParaRPr lang="en-US" dirty="0"/>
           </a:p>
@@ -4849,7 +4849,7 @@
           <a:p>
             <a:fld id="{48A87A34-81AB-432B-8DAE-1953F412C126}" type="datetimeFigureOut">
               <a:rPr lang="en-US" dirty="0"/>
-              <a:t>6/27/2020</a:t>
+              <a:t>7/14/2020</a:t>
             </a:fld>
             <a:endParaRPr lang="en-US" dirty="0"/>
           </a:p>
@@ -5107,7 +5107,7 @@
           <a:p>
             <a:fld id="{48A87A34-81AB-432B-8DAE-1953F412C126}" type="datetimeFigureOut">
               <a:rPr lang="en-US" dirty="0"/>
-              <a:t>6/27/2020</a:t>
+              <a:t>7/14/2020</a:t>
             </a:fld>
             <a:endParaRPr lang="en-US" dirty="0"/>
           </a:p>
@@ -5536,7 +5536,7 @@
           <a:p>
             <a:fld id="{48A87A34-81AB-432B-8DAE-1953F412C126}" type="datetimeFigureOut">
               <a:rPr lang="en-US" dirty="0"/>
-              <a:t>6/27/2020</a:t>
+              <a:t>7/14/2020</a:t>
             </a:fld>
             <a:endParaRPr lang="en-US" dirty="0"/>
           </a:p>
@@ -6077,7 +6077,7 @@
           <a:p>
             <a:fld id="{48A87A34-81AB-432B-8DAE-1953F412C126}" type="datetimeFigureOut">
               <a:rPr lang="en-US" dirty="0"/>
-              <a:t>6/27/2020</a:t>
+              <a:t>7/14/2020</a:t>
             </a:fld>
             <a:endParaRPr lang="en-US" dirty="0"/>
           </a:p>
@@ -6792,7 +6792,7 @@
           <a:p>
             <a:fld id="{48A87A34-81AB-432B-8DAE-1953F412C126}" type="datetimeFigureOut">
               <a:rPr lang="en-US" dirty="0"/>
-              <a:t>6/27/2020</a:t>
+              <a:t>7/14/2020</a:t>
             </a:fld>
             <a:endParaRPr lang="en-US" dirty="0"/>
           </a:p>
@@ -6957,7 +6957,7 @@
           <a:p>
             <a:fld id="{48A87A34-81AB-432B-8DAE-1953F412C126}" type="datetimeFigureOut">
               <a:rPr lang="en-US" dirty="0"/>
-              <a:t>6/27/2020</a:t>
+              <a:t>7/14/2020</a:t>
             </a:fld>
             <a:endParaRPr lang="en-US" dirty="0"/>
           </a:p>
@@ -7132,7 +7132,7 @@
           <a:p>
             <a:fld id="{48A87A34-81AB-432B-8DAE-1953F412C126}" type="datetimeFigureOut">
               <a:rPr lang="en-US" dirty="0"/>
-              <a:t>6/27/2020</a:t>
+              <a:t>7/14/2020</a:t>
             </a:fld>
             <a:endParaRPr lang="en-US" dirty="0"/>
           </a:p>
@@ -7297,7 +7297,7 @@
           <a:p>
             <a:fld id="{48A87A34-81AB-432B-8DAE-1953F412C126}" type="datetimeFigureOut">
               <a:rPr lang="en-US" dirty="0"/>
-              <a:t>6/27/2020</a:t>
+              <a:t>7/14/2020</a:t>
             </a:fld>
             <a:endParaRPr lang="en-US" dirty="0"/>
           </a:p>
@@ -7542,7 +7542,7 @@
           <a:p>
             <a:fld id="{48A87A34-81AB-432B-8DAE-1953F412C126}" type="datetimeFigureOut">
               <a:rPr lang="en-US" dirty="0"/>
-              <a:t>6/27/2020</a:t>
+              <a:t>7/14/2020</a:t>
             </a:fld>
             <a:endParaRPr lang="en-US" dirty="0"/>
           </a:p>
@@ -7769,7 +7769,7 @@
           <a:p>
             <a:fld id="{48A87A34-81AB-432B-8DAE-1953F412C126}" type="datetimeFigureOut">
               <a:rPr lang="en-US" dirty="0"/>
-              <a:t>6/27/2020</a:t>
+              <a:t>7/14/2020</a:t>
             </a:fld>
             <a:endParaRPr lang="en-US" dirty="0"/>
           </a:p>
@@ -8145,7 +8145,7 @@
           <a:p>
             <a:fld id="{48A87A34-81AB-432B-8DAE-1953F412C126}" type="datetimeFigureOut">
               <a:rPr lang="en-US" dirty="0"/>
-              <a:t>6/27/2020</a:t>
+              <a:t>7/14/2020</a:t>
             </a:fld>
             <a:endParaRPr lang="en-US" dirty="0"/>
           </a:p>
@@ -8258,7 +8258,7 @@
           <a:p>
             <a:fld id="{48A87A34-81AB-432B-8DAE-1953F412C126}" type="datetimeFigureOut">
               <a:rPr lang="en-US" dirty="0"/>
-              <a:t>6/27/2020</a:t>
+              <a:t>7/14/2020</a:t>
             </a:fld>
             <a:endParaRPr lang="en-US" dirty="0"/>
           </a:p>
@@ -8348,7 +8348,7 @@
           <a:p>
             <a:fld id="{48A87A34-81AB-432B-8DAE-1953F412C126}" type="datetimeFigureOut">
               <a:rPr lang="en-US" dirty="0"/>
-              <a:t>6/27/2020</a:t>
+              <a:t>7/14/2020</a:t>
             </a:fld>
             <a:endParaRPr lang="en-US" dirty="0"/>
           </a:p>
@@ -8592,7 +8592,7 @@
           <a:p>
             <a:fld id="{48A87A34-81AB-432B-8DAE-1953F412C126}" type="datetimeFigureOut">
               <a:rPr lang="en-US" dirty="0"/>
-              <a:t>6/27/2020</a:t>
+              <a:t>7/14/2020</a:t>
             </a:fld>
             <a:endParaRPr lang="en-US" dirty="0"/>
           </a:p>
@@ -8867,7 +8867,7 @@
           <a:p>
             <a:fld id="{48A87A34-81AB-432B-8DAE-1953F412C126}" type="datetimeFigureOut">
               <a:rPr lang="en-US" dirty="0"/>
-              <a:t>6/27/2020</a:t>
+              <a:t>7/14/2020</a:t>
             </a:fld>
             <a:endParaRPr lang="en-US" dirty="0"/>
           </a:p>
@@ -11940,7 +11940,7 @@
             <a:fld id="{48A87A34-81AB-432B-8DAE-1953F412C126}" type="datetimeFigureOut">
               <a:rPr lang="en-US" dirty="0"/>
               <a:pPr/>
-              <a:t>6/27/2020</a:t>
+              <a:t>7/14/2020</a:t>
             </a:fld>
             <a:endParaRPr lang="en-US" dirty="0"/>
           </a:p>
@@ -15907,7 +15907,7 @@
           <p:cNvPr id="4" name="Group 8" descr="Logo Placeholder">
             <a:extLst>
               <a:ext uri="{FF2B5EF4-FFF2-40B4-BE49-F238E27FC236}">
-                <a16:creationId xmlns="" xmlns:a16="http://schemas.microsoft.com/office/drawing/2014/main" id="{3F31EBC4-0A2C-402C-AE20-AC3F0C88AF14}"/>
+                <a16:creationId xmlns:a16="http://schemas.microsoft.com/office/drawing/2014/main" xmlns="" id="{3F31EBC4-0A2C-402C-AE20-AC3F0C88AF14}"/>
               </a:ext>
             </a:extLst>
           </p:cNvPr>
@@ -15927,7 +15927,7 @@
             <p:cNvPr id="5" name="Rectangle 9">
               <a:extLst>
                 <a:ext uri="{FF2B5EF4-FFF2-40B4-BE49-F238E27FC236}">
-                  <a16:creationId xmlns="" xmlns:a16="http://schemas.microsoft.com/office/drawing/2014/main" id="{53F4EED9-3E92-4A9D-8DA8-01DFF623C45D}"/>
+                  <a16:creationId xmlns:a16="http://schemas.microsoft.com/office/drawing/2014/main" xmlns="" id="{53F4EED9-3E92-4A9D-8DA8-01DFF623C45D}"/>
                 </a:ext>
               </a:extLst>
             </p:cNvPr>
@@ -15987,7 +15987,7 @@
             <p:cNvPr id="6" name="Rectangle 6">
               <a:extLst>
                 <a:ext uri="{FF2B5EF4-FFF2-40B4-BE49-F238E27FC236}">
-                  <a16:creationId xmlns="" xmlns:a16="http://schemas.microsoft.com/office/drawing/2014/main" id="{932EEAB5-EC39-4A1C-9DB2-86C49079560B}"/>
+                  <a16:creationId xmlns:a16="http://schemas.microsoft.com/office/drawing/2014/main" xmlns="" id="{932EEAB5-EC39-4A1C-9DB2-86C49079560B}"/>
                 </a:ext>
               </a:extLst>
             </p:cNvPr>
@@ -16772,7 +16772,7 @@
           <p:cNvPr id="4" name="Group 8" descr="Logo Placeholder">
             <a:extLst>
               <a:ext uri="{FF2B5EF4-FFF2-40B4-BE49-F238E27FC236}">
-                <a16:creationId xmlns="" xmlns:a16="http://schemas.microsoft.com/office/drawing/2014/main" id="{3F31EBC4-0A2C-402C-AE20-AC3F0C88AF14}"/>
+                <a16:creationId xmlns:a16="http://schemas.microsoft.com/office/drawing/2014/main" xmlns="" id="{3F31EBC4-0A2C-402C-AE20-AC3F0C88AF14}"/>
               </a:ext>
             </a:extLst>
           </p:cNvPr>
@@ -16792,7 +16792,7 @@
             <p:cNvPr id="5" name="Rectangle 9">
               <a:extLst>
                 <a:ext uri="{FF2B5EF4-FFF2-40B4-BE49-F238E27FC236}">
-                  <a16:creationId xmlns="" xmlns:a16="http://schemas.microsoft.com/office/drawing/2014/main" id="{53F4EED9-3E92-4A9D-8DA8-01DFF623C45D}"/>
+                  <a16:creationId xmlns:a16="http://schemas.microsoft.com/office/drawing/2014/main" xmlns="" id="{53F4EED9-3E92-4A9D-8DA8-01DFF623C45D}"/>
                 </a:ext>
               </a:extLst>
             </p:cNvPr>
@@ -16852,7 +16852,7 @@
             <p:cNvPr id="6" name="Rectangle 6">
               <a:extLst>
                 <a:ext uri="{FF2B5EF4-FFF2-40B4-BE49-F238E27FC236}">
-                  <a16:creationId xmlns="" xmlns:a16="http://schemas.microsoft.com/office/drawing/2014/main" id="{932EEAB5-EC39-4A1C-9DB2-86C49079560B}"/>
+                  <a16:creationId xmlns:a16="http://schemas.microsoft.com/office/drawing/2014/main" xmlns="" id="{932EEAB5-EC39-4A1C-9DB2-86C49079560B}"/>
                 </a:ext>
               </a:extLst>
             </p:cNvPr>
@@ -17501,7 +17501,7 @@
           <p:cNvPr id="4" name="Group 8" descr="Logo Placeholder">
             <a:extLst>
               <a:ext uri="{FF2B5EF4-FFF2-40B4-BE49-F238E27FC236}">
-                <a16:creationId xmlns="" xmlns:a16="http://schemas.microsoft.com/office/drawing/2014/main" id="{3F31EBC4-0A2C-402C-AE20-AC3F0C88AF14}"/>
+                <a16:creationId xmlns:a16="http://schemas.microsoft.com/office/drawing/2014/main" xmlns="" id="{3F31EBC4-0A2C-402C-AE20-AC3F0C88AF14}"/>
               </a:ext>
             </a:extLst>
           </p:cNvPr>
@@ -17521,7 +17521,7 @@
             <p:cNvPr id="5" name="Rectangle 9">
               <a:extLst>
                 <a:ext uri="{FF2B5EF4-FFF2-40B4-BE49-F238E27FC236}">
-                  <a16:creationId xmlns="" xmlns:a16="http://schemas.microsoft.com/office/drawing/2014/main" id="{53F4EED9-3E92-4A9D-8DA8-01DFF623C45D}"/>
+                  <a16:creationId xmlns:a16="http://schemas.microsoft.com/office/drawing/2014/main" xmlns="" id="{53F4EED9-3E92-4A9D-8DA8-01DFF623C45D}"/>
                 </a:ext>
               </a:extLst>
             </p:cNvPr>
@@ -17581,7 +17581,7 @@
             <p:cNvPr id="6" name="Rectangle 6">
               <a:extLst>
                 <a:ext uri="{FF2B5EF4-FFF2-40B4-BE49-F238E27FC236}">
-                  <a16:creationId xmlns="" xmlns:a16="http://schemas.microsoft.com/office/drawing/2014/main" id="{932EEAB5-EC39-4A1C-9DB2-86C49079560B}"/>
+                  <a16:creationId xmlns:a16="http://schemas.microsoft.com/office/drawing/2014/main" xmlns="" id="{932EEAB5-EC39-4A1C-9DB2-86C49079560B}"/>
                 </a:ext>
               </a:extLst>
             </p:cNvPr>
@@ -18395,7 +18395,7 @@
           <p:cNvPr id="7" name="Group 8" descr="Logo Placeholder">
             <a:extLst>
               <a:ext uri="{FF2B5EF4-FFF2-40B4-BE49-F238E27FC236}">
-                <a16:creationId xmlns="" xmlns:a16="http://schemas.microsoft.com/office/drawing/2014/main" id="{3F31EBC4-0A2C-402C-AE20-AC3F0C88AF14}"/>
+                <a16:creationId xmlns:a16="http://schemas.microsoft.com/office/drawing/2014/main" xmlns="" id="{3F31EBC4-0A2C-402C-AE20-AC3F0C88AF14}"/>
               </a:ext>
             </a:extLst>
           </p:cNvPr>
@@ -18415,7 +18415,7 @@
             <p:cNvPr id="8" name="Rectangle 9">
               <a:extLst>
                 <a:ext uri="{FF2B5EF4-FFF2-40B4-BE49-F238E27FC236}">
-                  <a16:creationId xmlns="" xmlns:a16="http://schemas.microsoft.com/office/drawing/2014/main" id="{53F4EED9-3E92-4A9D-8DA8-01DFF623C45D}"/>
+                  <a16:creationId xmlns:a16="http://schemas.microsoft.com/office/drawing/2014/main" xmlns="" id="{53F4EED9-3E92-4A9D-8DA8-01DFF623C45D}"/>
                 </a:ext>
               </a:extLst>
             </p:cNvPr>
@@ -18475,7 +18475,7 @@
             <p:cNvPr id="9" name="Rectangle 6">
               <a:extLst>
                 <a:ext uri="{FF2B5EF4-FFF2-40B4-BE49-F238E27FC236}">
-                  <a16:creationId xmlns="" xmlns:a16="http://schemas.microsoft.com/office/drawing/2014/main" id="{932EEAB5-EC39-4A1C-9DB2-86C49079560B}"/>
+                  <a16:creationId xmlns:a16="http://schemas.microsoft.com/office/drawing/2014/main" xmlns="" id="{932EEAB5-EC39-4A1C-9DB2-86C49079560B}"/>
                 </a:ext>
               </a:extLst>
             </p:cNvPr>
@@ -19751,7 +19751,7 @@
           <p:cNvPr id="4" name="Group 8" descr="Logo Placeholder">
             <a:extLst>
               <a:ext uri="{FF2B5EF4-FFF2-40B4-BE49-F238E27FC236}">
-                <a16:creationId xmlns="" xmlns:a16="http://schemas.microsoft.com/office/drawing/2014/main" id="{3F31EBC4-0A2C-402C-AE20-AC3F0C88AF14}"/>
+                <a16:creationId xmlns:a16="http://schemas.microsoft.com/office/drawing/2014/main" xmlns="" id="{3F31EBC4-0A2C-402C-AE20-AC3F0C88AF14}"/>
               </a:ext>
             </a:extLst>
           </p:cNvPr>
@@ -19771,7 +19771,7 @@
             <p:cNvPr id="5" name="Rectangle 9">
               <a:extLst>
                 <a:ext uri="{FF2B5EF4-FFF2-40B4-BE49-F238E27FC236}">
-                  <a16:creationId xmlns="" xmlns:a16="http://schemas.microsoft.com/office/drawing/2014/main" id="{53F4EED9-3E92-4A9D-8DA8-01DFF623C45D}"/>
+                  <a16:creationId xmlns:a16="http://schemas.microsoft.com/office/drawing/2014/main" xmlns="" id="{53F4EED9-3E92-4A9D-8DA8-01DFF623C45D}"/>
                 </a:ext>
               </a:extLst>
             </p:cNvPr>
@@ -19831,7 +19831,7 @@
             <p:cNvPr id="6" name="Rectangle 6">
               <a:extLst>
                 <a:ext uri="{FF2B5EF4-FFF2-40B4-BE49-F238E27FC236}">
-                  <a16:creationId xmlns="" xmlns:a16="http://schemas.microsoft.com/office/drawing/2014/main" id="{932EEAB5-EC39-4A1C-9DB2-86C49079560B}"/>
+                  <a16:creationId xmlns:a16="http://schemas.microsoft.com/office/drawing/2014/main" xmlns="" id="{932EEAB5-EC39-4A1C-9DB2-86C49079560B}"/>
                 </a:ext>
               </a:extLst>
             </p:cNvPr>
@@ -22683,7 +22683,7 @@
           <p:cNvPr id="4" name="Group 8" descr="Logo Placeholder">
             <a:extLst>
               <a:ext uri="{FF2B5EF4-FFF2-40B4-BE49-F238E27FC236}">
-                <a16:creationId xmlns="" xmlns:a16="http://schemas.microsoft.com/office/drawing/2014/main" id="{3F31EBC4-0A2C-402C-AE20-AC3F0C88AF14}"/>
+                <a16:creationId xmlns:a16="http://schemas.microsoft.com/office/drawing/2014/main" xmlns="" id="{3F31EBC4-0A2C-402C-AE20-AC3F0C88AF14}"/>
               </a:ext>
             </a:extLst>
           </p:cNvPr>
@@ -22703,7 +22703,7 @@
             <p:cNvPr id="5" name="Rectangle 9">
               <a:extLst>
                 <a:ext uri="{FF2B5EF4-FFF2-40B4-BE49-F238E27FC236}">
-                  <a16:creationId xmlns="" xmlns:a16="http://schemas.microsoft.com/office/drawing/2014/main" id="{53F4EED9-3E92-4A9D-8DA8-01DFF623C45D}"/>
+                  <a16:creationId xmlns:a16="http://schemas.microsoft.com/office/drawing/2014/main" xmlns="" id="{53F4EED9-3E92-4A9D-8DA8-01DFF623C45D}"/>
                 </a:ext>
               </a:extLst>
             </p:cNvPr>
@@ -22763,7 +22763,7 @@
             <p:cNvPr id="6" name="Rectangle 6">
               <a:extLst>
                 <a:ext uri="{FF2B5EF4-FFF2-40B4-BE49-F238E27FC236}">
-                  <a16:creationId xmlns="" xmlns:a16="http://schemas.microsoft.com/office/drawing/2014/main" id="{932EEAB5-EC39-4A1C-9DB2-86C49079560B}"/>
+                  <a16:creationId xmlns:a16="http://schemas.microsoft.com/office/drawing/2014/main" xmlns="" id="{932EEAB5-EC39-4A1C-9DB2-86C49079560B}"/>
                 </a:ext>
               </a:extLst>
             </p:cNvPr>
@@ -24812,7 +24812,7 @@
           <p:cNvPr id="4" name="Group 8" descr="Logo Placeholder">
             <a:extLst>
               <a:ext uri="{FF2B5EF4-FFF2-40B4-BE49-F238E27FC236}">
-                <a16:creationId xmlns="" xmlns:a16="http://schemas.microsoft.com/office/drawing/2014/main" id="{3F31EBC4-0A2C-402C-AE20-AC3F0C88AF14}"/>
+                <a16:creationId xmlns:a16="http://schemas.microsoft.com/office/drawing/2014/main" xmlns="" id="{3F31EBC4-0A2C-402C-AE20-AC3F0C88AF14}"/>
               </a:ext>
             </a:extLst>
           </p:cNvPr>
@@ -24832,7 +24832,7 @@
             <p:cNvPr id="5" name="Rectangle 9">
               <a:extLst>
                 <a:ext uri="{FF2B5EF4-FFF2-40B4-BE49-F238E27FC236}">
-                  <a16:creationId xmlns="" xmlns:a16="http://schemas.microsoft.com/office/drawing/2014/main" id="{53F4EED9-3E92-4A9D-8DA8-01DFF623C45D}"/>
+                  <a16:creationId xmlns:a16="http://schemas.microsoft.com/office/drawing/2014/main" xmlns="" id="{53F4EED9-3E92-4A9D-8DA8-01DFF623C45D}"/>
                 </a:ext>
               </a:extLst>
             </p:cNvPr>
@@ -24892,7 +24892,7 @@
             <p:cNvPr id="6" name="Rectangle 6">
               <a:extLst>
                 <a:ext uri="{FF2B5EF4-FFF2-40B4-BE49-F238E27FC236}">
-                  <a16:creationId xmlns="" xmlns:a16="http://schemas.microsoft.com/office/drawing/2014/main" id="{932EEAB5-EC39-4A1C-9DB2-86C49079560B}"/>
+                  <a16:creationId xmlns:a16="http://schemas.microsoft.com/office/drawing/2014/main" xmlns="" id="{932EEAB5-EC39-4A1C-9DB2-86C49079560B}"/>
                 </a:ext>
               </a:extLst>
             </p:cNvPr>
@@ -25943,22 +25943,7 @@
                   </a:outerShdw>
                 </a:effectLst>
               </a:rPr>
-              <a:t> </a:t>
-            </a:r>
-            <a:r>
-              <a:rPr lang="en-ID" sz="4800" b="1" i="1" dirty="0" smtClean="0">
-                <a:solidFill>
-                  <a:srgbClr val="FF0000"/>
-                </a:solidFill>
-                <a:effectLst>
-                  <a:outerShdw blurRad="38100" dist="38100" dir="2700000" algn="tl">
-                    <a:srgbClr val="000000">
-                      <a:alpha val="43137"/>
-                    </a:srgbClr>
-                  </a:outerShdw>
-                </a:effectLst>
-              </a:rPr>
-              <a:t>BANK SAMPAH</a:t>
+              <a:t> BANK SAMPAH</a:t>
             </a:r>
             <a:endParaRPr lang="en-US" sz="4800" b="1" i="1" dirty="0">
               <a:solidFill>
@@ -25975,40 +25960,12 @@
           </a:p>
         </p:txBody>
       </p:sp>
-      <p:pic>
-        <p:nvPicPr>
-          <p:cNvPr id="7" name="Dudukan Isi 6"/>
-          <p:cNvPicPr>
-            <a:picLocks noGrp="1" noChangeAspect="1"/>
-          </p:cNvPicPr>
-          <p:nvPr>
-            <p:ph idx="1"/>
-          </p:nvPr>
-        </p:nvPicPr>
-        <p:blipFill rotWithShape="1">
-          <a:blip r:embed="rId2">
-            <a:extLst>
-              <a:ext uri="{28A0092B-C50C-407E-A947-70E740481C1C}">
-                <a14:useLocalDpi xmlns:a14="http://schemas.microsoft.com/office/drawing/2010/main" val="0"/>
-              </a:ext>
-            </a:extLst>
-          </a:blip>
-          <a:srcRect t="-445" b="5607"/>
-          <a:stretch/>
-        </p:blipFill>
-        <p:spPr>
-          <a:xfrm>
-            <a:off x="1665234" y="1407886"/>
-            <a:ext cx="8601223" cy="4586253"/>
-          </a:xfrm>
-        </p:spPr>
-      </p:pic>
       <p:grpSp>
         <p:nvGrpSpPr>
           <p:cNvPr id="4" name="Group 8" descr="Logo Placeholder">
             <a:extLst>
               <a:ext uri="{FF2B5EF4-FFF2-40B4-BE49-F238E27FC236}">
-                <a16:creationId xmlns="" xmlns:a16="http://schemas.microsoft.com/office/drawing/2014/main" id="{3F31EBC4-0A2C-402C-AE20-AC3F0C88AF14}"/>
+                <a16:creationId xmlns:a16="http://schemas.microsoft.com/office/drawing/2014/main" xmlns="" id="{3F31EBC4-0A2C-402C-AE20-AC3F0C88AF14}"/>
               </a:ext>
             </a:extLst>
           </p:cNvPr>
@@ -26028,7 +25985,7 @@
             <p:cNvPr id="5" name="Rectangle 9">
               <a:extLst>
                 <a:ext uri="{FF2B5EF4-FFF2-40B4-BE49-F238E27FC236}">
-                  <a16:creationId xmlns="" xmlns:a16="http://schemas.microsoft.com/office/drawing/2014/main" id="{53F4EED9-3E92-4A9D-8DA8-01DFF623C45D}"/>
+                  <a16:creationId xmlns:a16="http://schemas.microsoft.com/office/drawing/2014/main" xmlns="" id="{53F4EED9-3E92-4A9D-8DA8-01DFF623C45D}"/>
                 </a:ext>
               </a:extLst>
             </p:cNvPr>
@@ -26088,7 +26045,7 @@
             <p:cNvPr id="6" name="Rectangle 6">
               <a:extLst>
                 <a:ext uri="{FF2B5EF4-FFF2-40B4-BE49-F238E27FC236}">
-                  <a16:creationId xmlns="" xmlns:a16="http://schemas.microsoft.com/office/drawing/2014/main" id="{932EEAB5-EC39-4A1C-9DB2-86C49079560B}"/>
+                  <a16:creationId xmlns:a16="http://schemas.microsoft.com/office/drawing/2014/main" xmlns="" id="{932EEAB5-EC39-4A1C-9DB2-86C49079560B}"/>
                 </a:ext>
               </a:extLst>
             </p:cNvPr>
@@ -26197,6 +26154,34 @@
           </p:txBody>
         </p:sp>
       </p:grpSp>
+      <p:pic>
+        <p:nvPicPr>
+          <p:cNvPr id="10" name="Dudukan Isi 9"/>
+          <p:cNvPicPr>
+            <a:picLocks noGrp="1" noChangeAspect="1"/>
+          </p:cNvPicPr>
+          <p:nvPr>
+            <p:ph idx="1"/>
+          </p:nvPr>
+        </p:nvPicPr>
+        <p:blipFill rotWithShape="1">
+          <a:blip r:embed="rId2">
+            <a:extLst>
+              <a:ext uri="{28A0092B-C50C-407E-A947-70E740481C1C}">
+                <a14:useLocalDpi xmlns:a14="http://schemas.microsoft.com/office/drawing/2010/main" val="0"/>
+              </a:ext>
+            </a:extLst>
+          </a:blip>
+          <a:srcRect b="27867"/>
+          <a:stretch/>
+        </p:blipFill>
+        <p:spPr>
+          <a:xfrm>
+            <a:off x="1637072" y="1697945"/>
+            <a:ext cx="8446800" cy="4020683"/>
+          </a:xfrm>
+        </p:spPr>
+      </p:pic>
     </p:spTree>
     <p:extLst>
       <p:ext uri="{BB962C8B-B14F-4D97-AF65-F5344CB8AC3E}">
@@ -26412,22 +26397,7 @@
                   </a:outerShdw>
                 </a:effectLst>
               </a:rPr>
-              <a:t>STRUKTUR DAN </a:t>
-            </a:r>
-            <a:r>
-              <a:rPr lang="id-ID" sz="4000" b="1" dirty="0" smtClean="0">
-                <a:solidFill>
-                  <a:srgbClr val="FFC000"/>
-                </a:solidFill>
-                <a:effectLst>
-                  <a:outerShdw blurRad="38100" dist="38100" dir="2700000" algn="tl">
-                    <a:srgbClr val="000000">
-                      <a:alpha val="43137"/>
-                    </a:srgbClr>
-                  </a:outerShdw>
-                </a:effectLst>
-              </a:rPr>
-              <a:t>FUNGSI</a:t>
+              <a:t>STRUKTUR DAN FUNGSI</a:t>
             </a:r>
             <a:endParaRPr lang="en-US" sz="4000" b="1" dirty="0">
               <a:solidFill>
@@ -26566,7 +26536,7 @@
           <p:cNvPr id="5" name="Group 8" descr="Logo Placeholder">
             <a:extLst>
               <a:ext uri="{FF2B5EF4-FFF2-40B4-BE49-F238E27FC236}">
-                <a16:creationId xmlns="" xmlns:a16="http://schemas.microsoft.com/office/drawing/2014/main" id="{3F31EBC4-0A2C-402C-AE20-AC3F0C88AF14}"/>
+                <a16:creationId xmlns:a16="http://schemas.microsoft.com/office/drawing/2014/main" xmlns="" id="{3F31EBC4-0A2C-402C-AE20-AC3F0C88AF14}"/>
               </a:ext>
             </a:extLst>
           </p:cNvPr>
@@ -26586,7 +26556,7 @@
             <p:cNvPr id="6" name="Rectangle 9">
               <a:extLst>
                 <a:ext uri="{FF2B5EF4-FFF2-40B4-BE49-F238E27FC236}">
-                  <a16:creationId xmlns="" xmlns:a16="http://schemas.microsoft.com/office/drawing/2014/main" id="{53F4EED9-3E92-4A9D-8DA8-01DFF623C45D}"/>
+                  <a16:creationId xmlns:a16="http://schemas.microsoft.com/office/drawing/2014/main" xmlns="" id="{53F4EED9-3E92-4A9D-8DA8-01DFF623C45D}"/>
                 </a:ext>
               </a:extLst>
             </p:cNvPr>
@@ -26646,7 +26616,7 @@
             <p:cNvPr id="7" name="Rectangle 6">
               <a:extLst>
                 <a:ext uri="{FF2B5EF4-FFF2-40B4-BE49-F238E27FC236}">
-                  <a16:creationId xmlns="" xmlns:a16="http://schemas.microsoft.com/office/drawing/2014/main" id="{932EEAB5-EC39-4A1C-9DB2-86C49079560B}"/>
+                  <a16:creationId xmlns:a16="http://schemas.microsoft.com/office/drawing/2014/main" xmlns="" id="{932EEAB5-EC39-4A1C-9DB2-86C49079560B}"/>
                 </a:ext>
               </a:extLst>
             </p:cNvPr>
@@ -29414,7 +29384,7 @@
           <p:cNvPr id="4" name="Group 8" descr="Logo Placeholder">
             <a:extLst>
               <a:ext uri="{FF2B5EF4-FFF2-40B4-BE49-F238E27FC236}">
-                <a16:creationId xmlns="" xmlns:a16="http://schemas.microsoft.com/office/drawing/2014/main" id="{3F31EBC4-0A2C-402C-AE20-AC3F0C88AF14}"/>
+                <a16:creationId xmlns:a16="http://schemas.microsoft.com/office/drawing/2014/main" xmlns="" id="{3F31EBC4-0A2C-402C-AE20-AC3F0C88AF14}"/>
               </a:ext>
             </a:extLst>
           </p:cNvPr>
@@ -29434,7 +29404,7 @@
             <p:cNvPr id="5" name="Rectangle 9">
               <a:extLst>
                 <a:ext uri="{FF2B5EF4-FFF2-40B4-BE49-F238E27FC236}">
-                  <a16:creationId xmlns="" xmlns:a16="http://schemas.microsoft.com/office/drawing/2014/main" id="{53F4EED9-3E92-4A9D-8DA8-01DFF623C45D}"/>
+                  <a16:creationId xmlns:a16="http://schemas.microsoft.com/office/drawing/2014/main" xmlns="" id="{53F4EED9-3E92-4A9D-8DA8-01DFF623C45D}"/>
                 </a:ext>
               </a:extLst>
             </p:cNvPr>
@@ -29494,7 +29464,7 @@
             <p:cNvPr id="6" name="Rectangle 6">
               <a:extLst>
                 <a:ext uri="{FF2B5EF4-FFF2-40B4-BE49-F238E27FC236}">
-                  <a16:creationId xmlns="" xmlns:a16="http://schemas.microsoft.com/office/drawing/2014/main" id="{932EEAB5-EC39-4A1C-9DB2-86C49079560B}"/>
+                  <a16:creationId xmlns:a16="http://schemas.microsoft.com/office/drawing/2014/main" xmlns="" id="{932EEAB5-EC39-4A1C-9DB2-86C49079560B}"/>
                 </a:ext>
               </a:extLst>
             </p:cNvPr>
@@ -33010,7 +32980,7 @@
           <p:cNvPr id="5" name="Group 8" descr="Logo Placeholder">
             <a:extLst>
               <a:ext uri="{FF2B5EF4-FFF2-40B4-BE49-F238E27FC236}">
-                <a16:creationId xmlns="" xmlns:a16="http://schemas.microsoft.com/office/drawing/2014/main" id="{3F31EBC4-0A2C-402C-AE20-AC3F0C88AF14}"/>
+                <a16:creationId xmlns:a16="http://schemas.microsoft.com/office/drawing/2014/main" xmlns="" id="{3F31EBC4-0A2C-402C-AE20-AC3F0C88AF14}"/>
               </a:ext>
             </a:extLst>
           </p:cNvPr>
@@ -33030,7 +33000,7 @@
             <p:cNvPr id="6" name="Rectangle 9">
               <a:extLst>
                 <a:ext uri="{FF2B5EF4-FFF2-40B4-BE49-F238E27FC236}">
-                  <a16:creationId xmlns="" xmlns:a16="http://schemas.microsoft.com/office/drawing/2014/main" id="{53F4EED9-3E92-4A9D-8DA8-01DFF623C45D}"/>
+                  <a16:creationId xmlns:a16="http://schemas.microsoft.com/office/drawing/2014/main" xmlns="" id="{53F4EED9-3E92-4A9D-8DA8-01DFF623C45D}"/>
                 </a:ext>
               </a:extLst>
             </p:cNvPr>
@@ -33090,7 +33060,7 @@
             <p:cNvPr id="7" name="Rectangle 6">
               <a:extLst>
                 <a:ext uri="{FF2B5EF4-FFF2-40B4-BE49-F238E27FC236}">
-                  <a16:creationId xmlns="" xmlns:a16="http://schemas.microsoft.com/office/drawing/2014/main" id="{932EEAB5-EC39-4A1C-9DB2-86C49079560B}"/>
+                  <a16:creationId xmlns:a16="http://schemas.microsoft.com/office/drawing/2014/main" xmlns="" id="{932EEAB5-EC39-4A1C-9DB2-86C49079560B}"/>
                 </a:ext>
               </a:extLst>
             </p:cNvPr>
@@ -33495,52 +33465,6 @@
           <a:chExt cx="0" cy="0"/>
         </a:xfrm>
       </p:grpSpPr>
-      <p:pic>
-        <p:nvPicPr>
-          <p:cNvPr id="2052" name="Gambar 1"/>
-          <p:cNvPicPr>
-            <a:picLocks noChangeAspect="1" noChangeArrowheads="1"/>
-          </p:cNvPicPr>
-          <p:nvPr/>
-        </p:nvPicPr>
-        <p:blipFill>
-          <a:blip r:embed="rId2">
-            <a:extLst>
-              <a:ext uri="{28A0092B-C50C-407E-A947-70E740481C1C}">
-                <a14:useLocalDpi xmlns:a14="http://schemas.microsoft.com/office/drawing/2010/main" val="0"/>
-              </a:ext>
-            </a:extLst>
-          </a:blip>
-          <a:srcRect/>
-          <a:stretch>
-            <a:fillRect/>
-          </a:stretch>
-        </p:blipFill>
-        <p:spPr bwMode="auto">
-          <a:xfrm>
-            <a:off x="5877076" y="1203110"/>
-            <a:ext cx="5415038" cy="4698918"/>
-          </a:xfrm>
-          <a:prstGeom prst="rect">
-            <a:avLst/>
-          </a:prstGeom>
-          <a:noFill/>
-          <a:ln w="57150">
-            <a:solidFill>
-              <a:srgbClr val="FFC000"/>
-            </a:solidFill>
-          </a:ln>
-          <a:extLst>
-            <a:ext uri="{909E8E84-426E-40DD-AFC4-6F175D3DCCD1}">
-              <a14:hiddenFill xmlns:a14="http://schemas.microsoft.com/office/drawing/2010/main">
-                <a:solidFill>
-                  <a:srgbClr val="FFFFFF"/>
-                </a:solidFill>
-              </a14:hiddenFill>
-            </a:ext>
-          </a:extLst>
-        </p:spPr>
-      </p:pic>
       <p:sp>
         <p:nvSpPr>
           <p:cNvPr id="8" name="Rectangle 7"/>
@@ -33550,7 +33474,7 @@
         <p:spPr>
           <a:xfrm>
             <a:off x="682171" y="0"/>
-            <a:ext cx="10943213" cy="8371523"/>
+            <a:ext cx="10943213" cy="3241913"/>
           </a:xfrm>
           <a:prstGeom prst="rect">
             <a:avLst/>
@@ -33606,157 +33530,6 @@
               <a:ea typeface="Times New Roman" panose="02020603050405020304" pitchFamily="18" charset="0"/>
               <a:cs typeface="Times New Roman" panose="02020603050405020304" pitchFamily="18" charset="0"/>
             </a:endParaRPr>
-          </a:p>
-          <a:p>
-            <a:pPr algn="just">
-              <a:lnSpc>
-                <a:spcPct val="200000"/>
-              </a:lnSpc>
-              <a:spcBef>
-                <a:spcPts val="1200"/>
-              </a:spcBef>
-              <a:spcAft>
-                <a:spcPts val="1000"/>
-              </a:spcAft>
-            </a:pPr>
-            <a:r>
-              <a:rPr lang="en-US" sz="2600" b="1" u="sng" dirty="0" smtClean="0">
-                <a:solidFill>
-                  <a:schemeClr val="bg1"/>
-                </a:solidFill>
-                <a:effectLst>
-                  <a:outerShdw blurRad="38100" dist="38100" dir="2700000" algn="tl">
-                    <a:srgbClr val="000000">
-                      <a:alpha val="43137"/>
-                    </a:srgbClr>
-                  </a:outerShdw>
-                </a:effectLst>
-                <a:latin typeface="+mj-lt"/>
-                <a:ea typeface="Calibri" panose="020F0502020204030204" pitchFamily="34" charset="0"/>
-                <a:cs typeface="Times New Roman" panose="02020603050405020304" pitchFamily="18" charset="0"/>
-              </a:rPr>
-              <a:t>ERD ( Entity Relationship Diagram</a:t>
-            </a:r>
-            <a:r>
-              <a:rPr lang="id-ID" sz="2600" b="1" u="sng" dirty="0" smtClean="0">
-                <a:solidFill>
-                  <a:schemeClr val="bg1"/>
-                </a:solidFill>
-                <a:effectLst>
-                  <a:outerShdw blurRad="38100" dist="38100" dir="2700000" algn="tl">
-                    <a:srgbClr val="000000">
-                      <a:alpha val="43137"/>
-                    </a:srgbClr>
-                  </a:outerShdw>
-                </a:effectLst>
-                <a:latin typeface="+mj-lt"/>
-                <a:ea typeface="Calibri" panose="020F0502020204030204" pitchFamily="34" charset="0"/>
-                <a:cs typeface="Times New Roman" panose="02020603050405020304" pitchFamily="18" charset="0"/>
-              </a:rPr>
-              <a:t>)</a:t>
-            </a:r>
-          </a:p>
-          <a:p>
-            <a:pPr>
-              <a:lnSpc>
-                <a:spcPct val="200000"/>
-              </a:lnSpc>
-              <a:spcBef>
-                <a:spcPts val="1200"/>
-              </a:spcBef>
-              <a:spcAft>
-                <a:spcPts val="1000"/>
-              </a:spcAft>
-            </a:pPr>
-            <a:r>
-              <a:rPr lang="id-ID" sz="2600" b="1" dirty="0" smtClean="0">
-                <a:latin typeface="+mj-lt"/>
-                <a:ea typeface="Calibri" panose="020F0502020204030204" pitchFamily="34" charset="0"/>
-                <a:cs typeface="Times New Roman" panose="02020603050405020304" pitchFamily="18" charset="0"/>
-              </a:rPr>
-              <a:t>ERD adalah </a:t>
-            </a:r>
-            <a:r>
-              <a:rPr lang="id-ID" sz="2600" b="1" dirty="0" err="1" smtClean="0">
-                <a:latin typeface="+mj-lt"/>
-                <a:ea typeface="Calibri" panose="020F0502020204030204" pitchFamily="34" charset="0"/>
-                <a:cs typeface="Times New Roman" panose="02020603050405020304" pitchFamily="18" charset="0"/>
-              </a:rPr>
-              <a:t>suatu</a:t>
-            </a:r>
-            <a:r>
-              <a:rPr lang="id-ID" sz="2600" b="1" dirty="0" smtClean="0">
-                <a:latin typeface="+mj-lt"/>
-                <a:ea typeface="Calibri" panose="020F0502020204030204" pitchFamily="34" charset="0"/>
-                <a:cs typeface="Times New Roman" panose="02020603050405020304" pitchFamily="18" charset="0"/>
-              </a:rPr>
-              <a:t> bentuk diagram  </a:t>
-            </a:r>
-          </a:p>
-          <a:p>
-            <a:pPr>
-              <a:lnSpc>
-                <a:spcPct val="200000"/>
-              </a:lnSpc>
-              <a:spcBef>
-                <a:spcPts val="1200"/>
-              </a:spcBef>
-              <a:spcAft>
-                <a:spcPts val="1000"/>
-              </a:spcAft>
-            </a:pPr>
-            <a:r>
-              <a:rPr lang="id-ID" sz="2600" b="1" dirty="0">
-                <a:latin typeface="+mj-lt"/>
-                <a:ea typeface="Calibri" panose="020F0502020204030204" pitchFamily="34" charset="0"/>
-                <a:cs typeface="Times New Roman" panose="02020603050405020304" pitchFamily="18" charset="0"/>
-              </a:rPr>
-              <a:t>yang menjelaskan </a:t>
-            </a:r>
-            <a:r>
-              <a:rPr lang="id-ID" sz="2600" b="1" dirty="0" smtClean="0">
-                <a:latin typeface="+mj-lt"/>
-                <a:ea typeface="Calibri" panose="020F0502020204030204" pitchFamily="34" charset="0"/>
-                <a:cs typeface="Times New Roman" panose="02020603050405020304" pitchFamily="18" charset="0"/>
-              </a:rPr>
-              <a:t>hubungan  antar </a:t>
-            </a:r>
-          </a:p>
-          <a:p>
-            <a:pPr>
-              <a:lnSpc>
-                <a:spcPct val="200000"/>
-              </a:lnSpc>
-              <a:spcBef>
-                <a:spcPts val="1200"/>
-              </a:spcBef>
-              <a:spcAft>
-                <a:spcPts val="1000"/>
-              </a:spcAft>
-            </a:pPr>
-            <a:r>
-              <a:rPr lang="id-ID" sz="2600" b="1" dirty="0">
-                <a:latin typeface="+mj-lt"/>
-                <a:ea typeface="Calibri" panose="020F0502020204030204" pitchFamily="34" charset="0"/>
-                <a:cs typeface="Times New Roman" panose="02020603050405020304" pitchFamily="18" charset="0"/>
-              </a:rPr>
-              <a:t>objek-objek data yang mempunyai</a:t>
-            </a:r>
-            <a:br>
-              <a:rPr lang="id-ID" sz="2600" b="1" dirty="0">
-                <a:latin typeface="+mj-lt"/>
-                <a:ea typeface="Calibri" panose="020F0502020204030204" pitchFamily="34" charset="0"/>
-                <a:cs typeface="Times New Roman" panose="02020603050405020304" pitchFamily="18" charset="0"/>
-              </a:rPr>
-            </a:br>
-            <a:r>
-              <a:rPr lang="id-ID" sz="2600" b="1" dirty="0" smtClean="0">
-                <a:latin typeface="+mj-lt"/>
-                <a:ea typeface="Calibri" panose="020F0502020204030204" pitchFamily="34" charset="0"/>
-                <a:cs typeface="Times New Roman" panose="02020603050405020304" pitchFamily="18" charset="0"/>
-              </a:rPr>
-              <a:t>hubungan antar relasi </a:t>
-            </a:r>
           </a:p>
           <a:p>
             <a:pPr>
@@ -33803,7 +33576,7 @@
           <p:cNvPr id="4" name="Group 8" descr="Logo Placeholder">
             <a:extLst>
               <a:ext uri="{FF2B5EF4-FFF2-40B4-BE49-F238E27FC236}">
-                <a16:creationId xmlns="" xmlns:a16="http://schemas.microsoft.com/office/drawing/2014/main" id="{3F31EBC4-0A2C-402C-AE20-AC3F0C88AF14}"/>
+                <a16:creationId xmlns:a16="http://schemas.microsoft.com/office/drawing/2014/main" xmlns="" id="{3F31EBC4-0A2C-402C-AE20-AC3F0C88AF14}"/>
               </a:ext>
             </a:extLst>
           </p:cNvPr>
@@ -33823,7 +33596,7 @@
             <p:cNvPr id="5" name="Rectangle 9">
               <a:extLst>
                 <a:ext uri="{FF2B5EF4-FFF2-40B4-BE49-F238E27FC236}">
-                  <a16:creationId xmlns="" xmlns:a16="http://schemas.microsoft.com/office/drawing/2014/main" id="{53F4EED9-3E92-4A9D-8DA8-01DFF623C45D}"/>
+                  <a16:creationId xmlns:a16="http://schemas.microsoft.com/office/drawing/2014/main" xmlns="" id="{53F4EED9-3E92-4A9D-8DA8-01DFF623C45D}"/>
                 </a:ext>
               </a:extLst>
             </p:cNvPr>
@@ -33883,7 +33656,7 @@
             <p:cNvPr id="6" name="Rectangle 6">
               <a:extLst>
                 <a:ext uri="{FF2B5EF4-FFF2-40B4-BE49-F238E27FC236}">
-                  <a16:creationId xmlns="" xmlns:a16="http://schemas.microsoft.com/office/drawing/2014/main" id="{932EEAB5-EC39-4A1C-9DB2-86C49079560B}"/>
+                  <a16:creationId xmlns:a16="http://schemas.microsoft.com/office/drawing/2014/main" xmlns="" id="{932EEAB5-EC39-4A1C-9DB2-86C49079560B}"/>
                 </a:ext>
               </a:extLst>
             </p:cNvPr>
@@ -33992,6 +33765,36 @@
           </p:txBody>
         </p:sp>
       </p:grpSp>
+      <p:pic>
+        <p:nvPicPr>
+          <p:cNvPr id="2" name="Gambar 1"/>
+          <p:cNvPicPr>
+            <a:picLocks noChangeAspect="1"/>
+          </p:cNvPicPr>
+          <p:nvPr/>
+        </p:nvPicPr>
+        <p:blipFill>
+          <a:blip r:embed="rId2">
+            <a:extLst>
+              <a:ext uri="{28A0092B-C50C-407E-A947-70E740481C1C}">
+                <a14:useLocalDpi xmlns:a14="http://schemas.microsoft.com/office/drawing/2010/main" val="0"/>
+              </a:ext>
+            </a:extLst>
+          </a:blip>
+          <a:stretch>
+            <a:fillRect/>
+          </a:stretch>
+        </p:blipFill>
+        <p:spPr>
+          <a:xfrm>
+            <a:off x="899885" y="1193080"/>
+            <a:ext cx="10396157" cy="4786805"/>
+          </a:xfrm>
+          <a:prstGeom prst="rect">
+            <a:avLst/>
+          </a:prstGeom>
+        </p:spPr>
+      </p:pic>
     </p:spTree>
     <p:extLst>
       <p:ext uri="{BB962C8B-B14F-4D97-AF65-F5344CB8AC3E}">
@@ -34123,510 +33926,6 @@
                                           <p:spTgt spid="8">
                                             <p:txEl>
                                               <p:pRg st="0" end="0"/>
-                                            </p:txEl>
-                                          </p:spTgt>
-                                        </p:tgtEl>
-                                      </p:cBhvr>
-                                    </p:animEffect>
-                                  </p:childTnLst>
-                                </p:cTn>
-                              </p:par>
-                            </p:childTnLst>
-                          </p:cTn>
-                        </p:par>
-                      </p:childTnLst>
-                    </p:cTn>
-                  </p:par>
-                  <p:par>
-                    <p:cTn id="10" fill="hold">
-                      <p:stCondLst>
-                        <p:cond delay="indefinite"/>
-                      </p:stCondLst>
-                      <p:childTnLst>
-                        <p:par>
-                          <p:cTn id="11" fill="hold">
-                            <p:stCondLst>
-                              <p:cond delay="0"/>
-                            </p:stCondLst>
-                            <p:childTnLst>
-                              <p:par>
-                                <p:cTn id="12" presetID="6" presetClass="entr" presetSubtype="16" fill="hold" nodeType="clickEffect">
-                                  <p:stCondLst>
-                                    <p:cond delay="0"/>
-                                  </p:stCondLst>
-                                  <p:childTnLst>
-                                    <p:set>
-                                      <p:cBhvr>
-                                        <p:cTn id="13" dur="1" fill="hold">
-                                          <p:stCondLst>
-                                            <p:cond delay="0"/>
-                                          </p:stCondLst>
-                                        </p:cTn>
-                                        <p:tgtEl>
-                                          <p:spTgt spid="8">
-                                            <p:txEl>
-                                              <p:pRg st="1" end="1"/>
-                                            </p:txEl>
-                                          </p:spTgt>
-                                        </p:tgtEl>
-                                        <p:attrNameLst>
-                                          <p:attrName>style.visibility</p:attrName>
-                                        </p:attrNameLst>
-                                      </p:cBhvr>
-                                      <p:to>
-                                        <p:strVal val="visible"/>
-                                      </p:to>
-                                    </p:set>
-                                    <p:animEffect transition="in" filter="circle(in)">
-                                      <p:cBhvr>
-                                        <p:cTn id="14" dur="2000"/>
-                                        <p:tgtEl>
-                                          <p:spTgt spid="8">
-                                            <p:txEl>
-                                              <p:pRg st="1" end="1"/>
-                                            </p:txEl>
-                                          </p:spTgt>
-                                        </p:tgtEl>
-                                      </p:cBhvr>
-                                    </p:animEffect>
-                                  </p:childTnLst>
-                                </p:cTn>
-                              </p:par>
-                            </p:childTnLst>
-                          </p:cTn>
-                        </p:par>
-                      </p:childTnLst>
-                    </p:cTn>
-                  </p:par>
-                  <p:par>
-                    <p:cTn id="15" fill="hold">
-                      <p:stCondLst>
-                        <p:cond delay="indefinite"/>
-                      </p:stCondLst>
-                      <p:childTnLst>
-                        <p:par>
-                          <p:cTn id="16" fill="hold">
-                            <p:stCondLst>
-                              <p:cond delay="0"/>
-                            </p:stCondLst>
-                            <p:childTnLst>
-                              <p:par>
-                                <p:cTn id="17" presetID="26" presetClass="entr" presetSubtype="0" fill="hold" nodeType="clickEffect">
-                                  <p:stCondLst>
-                                    <p:cond delay="0"/>
-                                  </p:stCondLst>
-                                  <p:childTnLst>
-                                    <p:set>
-                                      <p:cBhvr>
-                                        <p:cTn id="18" dur="1" fill="hold">
-                                          <p:stCondLst>
-                                            <p:cond delay="0"/>
-                                          </p:stCondLst>
-                                        </p:cTn>
-                                        <p:tgtEl>
-                                          <p:spTgt spid="2052"/>
-                                        </p:tgtEl>
-                                        <p:attrNameLst>
-                                          <p:attrName>style.visibility</p:attrName>
-                                        </p:attrNameLst>
-                                      </p:cBhvr>
-                                      <p:to>
-                                        <p:strVal val="visible"/>
-                                      </p:to>
-                                    </p:set>
-                                    <p:animEffect transition="in" filter="wipe(down)">
-                                      <p:cBhvr>
-                                        <p:cTn id="19" dur="580">
-                                          <p:stCondLst>
-                                            <p:cond delay="0"/>
-                                          </p:stCondLst>
-                                        </p:cTn>
-                                        <p:tgtEl>
-                                          <p:spTgt spid="2052"/>
-                                        </p:tgtEl>
-                                      </p:cBhvr>
-                                    </p:animEffect>
-                                    <p:anim calcmode="lin" valueType="num">
-                                      <p:cBhvr>
-                                        <p:cTn id="20" dur="1822" tmFilter="0,0; 0.14,0.36; 0.43,0.73; 0.71,0.91; 1.0,1.0">
-                                          <p:stCondLst>
-                                            <p:cond delay="0"/>
-                                          </p:stCondLst>
-                                        </p:cTn>
-                                        <p:tgtEl>
-                                          <p:spTgt spid="2052"/>
-                                        </p:tgtEl>
-                                        <p:attrNameLst>
-                                          <p:attrName>ppt_x</p:attrName>
-                                        </p:attrNameLst>
-                                      </p:cBhvr>
-                                      <p:tavLst>
-                                        <p:tav tm="0">
-                                          <p:val>
-                                            <p:strVal val="#ppt_x-0.25"/>
-                                          </p:val>
-                                        </p:tav>
-                                        <p:tav tm="100000">
-                                          <p:val>
-                                            <p:strVal val="#ppt_x"/>
-                                          </p:val>
-                                        </p:tav>
-                                      </p:tavLst>
-                                    </p:anim>
-                                    <p:anim calcmode="lin" valueType="num">
-                                      <p:cBhvr>
-                                        <p:cTn id="21" dur="664" tmFilter="0.0,0.0; 0.25,0.07; 0.50,0.2; 0.75,0.467; 1.0,1.0">
-                                          <p:stCondLst>
-                                            <p:cond delay="0"/>
-                                          </p:stCondLst>
-                                        </p:cTn>
-                                        <p:tgtEl>
-                                          <p:spTgt spid="2052"/>
-                                        </p:tgtEl>
-                                        <p:attrNameLst>
-                                          <p:attrName>ppt_y</p:attrName>
-                                        </p:attrNameLst>
-                                      </p:cBhvr>
-                                      <p:tavLst>
-                                        <p:tav tm="0" fmla="#ppt_y-sin(pi*$)/3">
-                                          <p:val>
-                                            <p:fltVal val="0.5"/>
-                                          </p:val>
-                                        </p:tav>
-                                        <p:tav tm="100000">
-                                          <p:val>
-                                            <p:fltVal val="1"/>
-                                          </p:val>
-                                        </p:tav>
-                                      </p:tavLst>
-                                    </p:anim>
-                                    <p:anim calcmode="lin" valueType="num">
-                                      <p:cBhvr>
-                                        <p:cTn id="22" dur="664" tmFilter="0, 0; 0.125,0.2665; 0.25,0.4; 0.375,0.465; 0.5,0.5;  0.625,0.535; 0.75,0.6; 0.875,0.7335; 1,1">
-                                          <p:stCondLst>
-                                            <p:cond delay="664"/>
-                                          </p:stCondLst>
-                                        </p:cTn>
-                                        <p:tgtEl>
-                                          <p:spTgt spid="2052"/>
-                                        </p:tgtEl>
-                                        <p:attrNameLst>
-                                          <p:attrName>ppt_y</p:attrName>
-                                        </p:attrNameLst>
-                                      </p:cBhvr>
-                                      <p:tavLst>
-                                        <p:tav tm="0" fmla="#ppt_y-sin(pi*$)/9">
-                                          <p:val>
-                                            <p:fltVal val="0"/>
-                                          </p:val>
-                                        </p:tav>
-                                        <p:tav tm="100000">
-                                          <p:val>
-                                            <p:fltVal val="1"/>
-                                          </p:val>
-                                        </p:tav>
-                                      </p:tavLst>
-                                    </p:anim>
-                                    <p:anim calcmode="lin" valueType="num">
-                                      <p:cBhvr>
-                                        <p:cTn id="23" dur="332" tmFilter="0, 0; 0.125,0.2665; 0.25,0.4; 0.375,0.465; 0.5,0.5;  0.625,0.535; 0.75,0.6; 0.875,0.7335; 1,1">
-                                          <p:stCondLst>
-                                            <p:cond delay="1324"/>
-                                          </p:stCondLst>
-                                        </p:cTn>
-                                        <p:tgtEl>
-                                          <p:spTgt spid="2052"/>
-                                        </p:tgtEl>
-                                        <p:attrNameLst>
-                                          <p:attrName>ppt_y</p:attrName>
-                                        </p:attrNameLst>
-                                      </p:cBhvr>
-                                      <p:tavLst>
-                                        <p:tav tm="0" fmla="#ppt_y-sin(pi*$)/27">
-                                          <p:val>
-                                            <p:fltVal val="0"/>
-                                          </p:val>
-                                        </p:tav>
-                                        <p:tav tm="100000">
-                                          <p:val>
-                                            <p:fltVal val="1"/>
-                                          </p:val>
-                                        </p:tav>
-                                      </p:tavLst>
-                                    </p:anim>
-                                    <p:anim calcmode="lin" valueType="num">
-                                      <p:cBhvr>
-                                        <p:cTn id="24" dur="164" tmFilter="0, 0; 0.125,0.2665; 0.25,0.4; 0.375,0.465; 0.5,0.5;  0.625,0.535; 0.75,0.6; 0.875,0.7335; 1,1">
-                                          <p:stCondLst>
-                                            <p:cond delay="1656"/>
-                                          </p:stCondLst>
-                                        </p:cTn>
-                                        <p:tgtEl>
-                                          <p:spTgt spid="2052"/>
-                                        </p:tgtEl>
-                                        <p:attrNameLst>
-                                          <p:attrName>ppt_y</p:attrName>
-                                        </p:attrNameLst>
-                                      </p:cBhvr>
-                                      <p:tavLst>
-                                        <p:tav tm="0" fmla="#ppt_y-sin(pi*$)/81">
-                                          <p:val>
-                                            <p:fltVal val="0"/>
-                                          </p:val>
-                                        </p:tav>
-                                        <p:tav tm="100000">
-                                          <p:val>
-                                            <p:fltVal val="1"/>
-                                          </p:val>
-                                        </p:tav>
-                                      </p:tavLst>
-                                    </p:anim>
-                                    <p:animScale>
-                                      <p:cBhvr>
-                                        <p:cTn id="25" dur="26">
-                                          <p:stCondLst>
-                                            <p:cond delay="650"/>
-                                          </p:stCondLst>
-                                        </p:cTn>
-                                        <p:tgtEl>
-                                          <p:spTgt spid="2052"/>
-                                        </p:tgtEl>
-                                      </p:cBhvr>
-                                      <p:to x="100000" y="60000"/>
-                                    </p:animScale>
-                                    <p:animScale>
-                                      <p:cBhvr>
-                                        <p:cTn id="26" dur="166" decel="50000">
-                                          <p:stCondLst>
-                                            <p:cond delay="676"/>
-                                          </p:stCondLst>
-                                        </p:cTn>
-                                        <p:tgtEl>
-                                          <p:spTgt spid="2052"/>
-                                        </p:tgtEl>
-                                      </p:cBhvr>
-                                      <p:to x="100000" y="100000"/>
-                                    </p:animScale>
-                                    <p:animScale>
-                                      <p:cBhvr>
-                                        <p:cTn id="27" dur="26">
-                                          <p:stCondLst>
-                                            <p:cond delay="1312"/>
-                                          </p:stCondLst>
-                                        </p:cTn>
-                                        <p:tgtEl>
-                                          <p:spTgt spid="2052"/>
-                                        </p:tgtEl>
-                                      </p:cBhvr>
-                                      <p:to x="100000" y="80000"/>
-                                    </p:animScale>
-                                    <p:animScale>
-                                      <p:cBhvr>
-                                        <p:cTn id="28" dur="166" decel="50000">
-                                          <p:stCondLst>
-                                            <p:cond delay="1338"/>
-                                          </p:stCondLst>
-                                        </p:cTn>
-                                        <p:tgtEl>
-                                          <p:spTgt spid="2052"/>
-                                        </p:tgtEl>
-                                      </p:cBhvr>
-                                      <p:to x="100000" y="100000"/>
-                                    </p:animScale>
-                                    <p:animScale>
-                                      <p:cBhvr>
-                                        <p:cTn id="29" dur="26">
-                                          <p:stCondLst>
-                                            <p:cond delay="1642"/>
-                                          </p:stCondLst>
-                                        </p:cTn>
-                                        <p:tgtEl>
-                                          <p:spTgt spid="2052"/>
-                                        </p:tgtEl>
-                                      </p:cBhvr>
-                                      <p:to x="100000" y="90000"/>
-                                    </p:animScale>
-                                    <p:animScale>
-                                      <p:cBhvr>
-                                        <p:cTn id="30" dur="166" decel="50000">
-                                          <p:stCondLst>
-                                            <p:cond delay="1668"/>
-                                          </p:stCondLst>
-                                        </p:cTn>
-                                        <p:tgtEl>
-                                          <p:spTgt spid="2052"/>
-                                        </p:tgtEl>
-                                      </p:cBhvr>
-                                      <p:to x="100000" y="100000"/>
-                                    </p:animScale>
-                                    <p:animScale>
-                                      <p:cBhvr>
-                                        <p:cTn id="31" dur="26">
-                                          <p:stCondLst>
-                                            <p:cond delay="1808"/>
-                                          </p:stCondLst>
-                                        </p:cTn>
-                                        <p:tgtEl>
-                                          <p:spTgt spid="2052"/>
-                                        </p:tgtEl>
-                                      </p:cBhvr>
-                                      <p:to x="100000" y="95000"/>
-                                    </p:animScale>
-                                    <p:animScale>
-                                      <p:cBhvr>
-                                        <p:cTn id="32" dur="166" decel="50000">
-                                          <p:stCondLst>
-                                            <p:cond delay="1834"/>
-                                          </p:stCondLst>
-                                        </p:cTn>
-                                        <p:tgtEl>
-                                          <p:spTgt spid="2052"/>
-                                        </p:tgtEl>
-                                      </p:cBhvr>
-                                      <p:to x="100000" y="100000"/>
-                                    </p:animScale>
-                                  </p:childTnLst>
-                                </p:cTn>
-                              </p:par>
-                            </p:childTnLst>
-                          </p:cTn>
-                        </p:par>
-                      </p:childTnLst>
-                    </p:cTn>
-                  </p:par>
-                  <p:par>
-                    <p:cTn id="33" fill="hold">
-                      <p:stCondLst>
-                        <p:cond delay="indefinite"/>
-                      </p:stCondLst>
-                      <p:childTnLst>
-                        <p:par>
-                          <p:cTn id="34" fill="hold">
-                            <p:stCondLst>
-                              <p:cond delay="0"/>
-                            </p:stCondLst>
-                            <p:childTnLst>
-                              <p:par>
-                                <p:cTn id="35" presetID="6" presetClass="entr" presetSubtype="16" fill="hold" nodeType="clickEffect">
-                                  <p:stCondLst>
-                                    <p:cond delay="0"/>
-                                  </p:stCondLst>
-                                  <p:childTnLst>
-                                    <p:set>
-                                      <p:cBhvr>
-                                        <p:cTn id="36" dur="1" fill="hold">
-                                          <p:stCondLst>
-                                            <p:cond delay="0"/>
-                                          </p:stCondLst>
-                                        </p:cTn>
-                                        <p:tgtEl>
-                                          <p:spTgt spid="8">
-                                            <p:txEl>
-                                              <p:pRg st="2" end="2"/>
-                                            </p:txEl>
-                                          </p:spTgt>
-                                        </p:tgtEl>
-                                        <p:attrNameLst>
-                                          <p:attrName>style.visibility</p:attrName>
-                                        </p:attrNameLst>
-                                      </p:cBhvr>
-                                      <p:to>
-                                        <p:strVal val="visible"/>
-                                      </p:to>
-                                    </p:set>
-                                    <p:animEffect transition="in" filter="circle(in)">
-                                      <p:cBhvr>
-                                        <p:cTn id="37" dur="2000"/>
-                                        <p:tgtEl>
-                                          <p:spTgt spid="8">
-                                            <p:txEl>
-                                              <p:pRg st="2" end="2"/>
-                                            </p:txEl>
-                                          </p:spTgt>
-                                        </p:tgtEl>
-                                      </p:cBhvr>
-                                    </p:animEffect>
-                                  </p:childTnLst>
-                                </p:cTn>
-                              </p:par>
-                              <p:par>
-                                <p:cTn id="38" presetID="6" presetClass="entr" presetSubtype="16" fill="hold" nodeType="withEffect">
-                                  <p:stCondLst>
-                                    <p:cond delay="0"/>
-                                  </p:stCondLst>
-                                  <p:childTnLst>
-                                    <p:set>
-                                      <p:cBhvr>
-                                        <p:cTn id="39" dur="1" fill="hold">
-                                          <p:stCondLst>
-                                            <p:cond delay="0"/>
-                                          </p:stCondLst>
-                                        </p:cTn>
-                                        <p:tgtEl>
-                                          <p:spTgt spid="8">
-                                            <p:txEl>
-                                              <p:pRg st="3" end="3"/>
-                                            </p:txEl>
-                                          </p:spTgt>
-                                        </p:tgtEl>
-                                        <p:attrNameLst>
-                                          <p:attrName>style.visibility</p:attrName>
-                                        </p:attrNameLst>
-                                      </p:cBhvr>
-                                      <p:to>
-                                        <p:strVal val="visible"/>
-                                      </p:to>
-                                    </p:set>
-                                    <p:animEffect transition="in" filter="circle(in)">
-                                      <p:cBhvr>
-                                        <p:cTn id="40" dur="2000"/>
-                                        <p:tgtEl>
-                                          <p:spTgt spid="8">
-                                            <p:txEl>
-                                              <p:pRg st="3" end="3"/>
-                                            </p:txEl>
-                                          </p:spTgt>
-                                        </p:tgtEl>
-                                      </p:cBhvr>
-                                    </p:animEffect>
-                                  </p:childTnLst>
-                                </p:cTn>
-                              </p:par>
-                              <p:par>
-                                <p:cTn id="41" presetID="6" presetClass="entr" presetSubtype="16" fill="hold" nodeType="withEffect">
-                                  <p:stCondLst>
-                                    <p:cond delay="0"/>
-                                  </p:stCondLst>
-                                  <p:childTnLst>
-                                    <p:set>
-                                      <p:cBhvr>
-                                        <p:cTn id="42" dur="1" fill="hold">
-                                          <p:stCondLst>
-                                            <p:cond delay="0"/>
-                                          </p:stCondLst>
-                                        </p:cTn>
-                                        <p:tgtEl>
-                                          <p:spTgt spid="8">
-                                            <p:txEl>
-                                              <p:pRg st="4" end="4"/>
-                                            </p:txEl>
-                                          </p:spTgt>
-                                        </p:tgtEl>
-                                        <p:attrNameLst>
-                                          <p:attrName>style.visibility</p:attrName>
-                                        </p:attrNameLst>
-                                      </p:cBhvr>
-                                      <p:to>
-                                        <p:strVal val="visible"/>
-                                      </p:to>
-                                    </p:set>
-                                    <p:animEffect transition="in" filter="circle(in)">
-                                      <p:cBhvr>
-                                        <p:cTn id="43" dur="2000"/>
-                                        <p:tgtEl>
-                                          <p:spTgt spid="8">
-                                            <p:txEl>
-                                              <p:pRg st="4" end="4"/>
                                             </p:txEl>
                                           </p:spTgt>
                                         </p:tgtEl>
@@ -34911,7 +34210,7 @@
   <a:extraClrSchemeLst/>
   <a:extLst>
     <a:ext uri="{05A4C25C-085E-4340-85A3-A5531E510DB2}">
-      <thm15:themeFamily xmlns="" xmlns:thm15="http://schemas.microsoft.com/office/thememl/2012/main" name="Circuit" id="{0AC2F7E7-15F5-431C-B2A2-456FE929F56C}" vid="{0911B802-464C-4241-8DD9-B60FF88E379F}"/>
+      <thm15:themeFamily xmlns:thm15="http://schemas.microsoft.com/office/thememl/2012/main" xmlns="" name="Circuit" id="{0AC2F7E7-15F5-431C-B2A2-456FE929F56C}" vid="{0911B802-464C-4241-8DD9-B60FF88E379F}"/>
     </a:ext>
   </a:extLst>
 </a:theme>
